--- a/documentation/20230210 Discussion 01/Panasonic_IDS_Discussion_01.pptx
+++ b/documentation/20230210 Discussion 01/Panasonic_IDS_Discussion_01.pptx
@@ -4213,8 +4213,18 @@
               <a:t>SciLit_CausalMap</a:t>
             </a:r>
             <a:r>
+              <a:rPr lang="en-US" dirty="0"/>
+              <a:t>\visualization\mir</a:t>
+            </a:r>
+          </a:p>
+          <a:p>
+            <a:pPr marL="171450" indent="-171450">
+              <a:buFont typeface="Arial" panose="020B0604020202020204" pitchFamily="34" charset="0"/>
+              <a:buChar char="•"/>
+            </a:pPr>
+            <a:r>
               <a:rPr lang="en-US"/>
-              <a:t>\visualization\mir</a:t>
+              <a:t>D:\79 Mass\outs\MIR</a:t>
             </a:r>
             <a:endParaRPr lang="en-US" dirty="0"/>
           </a:p>

--- a/documentation/20230210 Discussion 01/Panasonic_IDS_Discussion_01.pptx
+++ b/documentation/20230210 Discussion 01/Panasonic_IDS_Discussion_01.pptx
@@ -5,10 +5,10 @@
     <p:sldMasterId id="2147483672" r:id="rId1"/>
   </p:sldMasterIdLst>
   <p:notesMasterIdLst>
-    <p:notesMasterId r:id="rId19"/>
+    <p:notesMasterId r:id="rId23"/>
   </p:notesMasterIdLst>
   <p:handoutMasterIdLst>
-    <p:handoutMasterId r:id="rId20"/>
+    <p:handoutMasterId r:id="rId24"/>
   </p:handoutMasterIdLst>
   <p:sldIdLst>
     <p:sldId id="256" r:id="rId2"/>
@@ -23,11 +23,15 @@
     <p:sldId id="393" r:id="rId11"/>
     <p:sldId id="392" r:id="rId12"/>
     <p:sldId id="390" r:id="rId13"/>
-    <p:sldId id="399" r:id="rId14"/>
-    <p:sldId id="400" r:id="rId15"/>
-    <p:sldId id="388" r:id="rId16"/>
-    <p:sldId id="389" r:id="rId17"/>
-    <p:sldId id="281" r:id="rId18"/>
+    <p:sldId id="401" r:id="rId14"/>
+    <p:sldId id="403" r:id="rId15"/>
+    <p:sldId id="402" r:id="rId16"/>
+    <p:sldId id="404" r:id="rId17"/>
+    <p:sldId id="399" r:id="rId18"/>
+    <p:sldId id="400" r:id="rId19"/>
+    <p:sldId id="388" r:id="rId20"/>
+    <p:sldId id="389" r:id="rId21"/>
+    <p:sldId id="281" r:id="rId22"/>
   </p:sldIdLst>
   <p:sldSz cx="9144000" cy="5143500" type="screen16x9"/>
   <p:notesSz cx="10234613" cy="14662150"/>
@@ -143,6 +147,10 @@
             <p14:sldId id="393"/>
             <p14:sldId id="392"/>
             <p14:sldId id="390"/>
+            <p14:sldId id="401"/>
+            <p14:sldId id="403"/>
+            <p14:sldId id="402"/>
+            <p14:sldId id="404"/>
             <p14:sldId id="399"/>
             <p14:sldId id="400"/>
             <p14:sldId id="388"/>
@@ -3651,7 +3659,7 @@
           <a:p>
             <a:fld id="{E238A188-91A2-4E01-9E96-2F1FEC9A01E6}" type="datetimeFigureOut">
               <a:rPr lang="en-SG" smtClean="0"/>
-              <a:t>8/2/2023</a:t>
+              <a:t>17/2/2023</a:t>
             </a:fld>
             <a:endParaRPr lang="en-SG"/>
           </a:p>
@@ -3829,7 +3837,7 @@
           <a:p>
             <a:fld id="{44337A42-5D34-4F72-8CA3-09580D9F2949}" type="datetimeFigureOut">
               <a:rPr lang="en-SG" smtClean="0"/>
-              <a:t>8/2/2023</a:t>
+              <a:t>17/2/2023</a:t>
             </a:fld>
             <a:endParaRPr lang="en-SG"/>
           </a:p>
@@ -4397,6 +4405,22 @@
               <a:t>Again, #6-7 are viable to deploy, but will need 1-2 weeks to study and adjust to new data</a:t>
             </a:r>
           </a:p>
+          <a:p>
+            <a:pPr defTabSz="1302014"/>
+            <a:endParaRPr lang="en-SG" dirty="0"/>
+          </a:p>
+          <a:p>
+            <a:pPr defTabSz="1302014"/>
+            <a:r>
+              <a:rPr lang="en-US" dirty="0"/>
+              <a:t>Many battery makers are ramping up production to meet soaring worldwide demand as car makers accelerate their shift to electric vehicles to comply with tougher emission rules aimed at tackling global warming .</a:t>
+            </a:r>
+            <a:endParaRPr lang="en-SG" dirty="0"/>
+          </a:p>
+          <a:p>
+            <a:pPr defTabSz="1302014"/>
+            <a:endParaRPr lang="en-SG" dirty="0"/>
+          </a:p>
         </p:txBody>
       </p:sp>
     </p:spTree>
@@ -4456,6 +4480,29 @@
           <a:bodyPr/>
           <a:lstStyle/>
           <a:p>
+            <a:pPr marL="0" marR="0" lvl="0" indent="0" algn="l" defTabSz="914296" rtl="0" eaLnBrk="1" fontAlgn="auto" latinLnBrk="0" hangingPunct="1">
+              <a:lnSpc>
+                <a:spcPct val="100000"/>
+              </a:lnSpc>
+              <a:spcBef>
+                <a:spcPts val="0"/>
+              </a:spcBef>
+              <a:spcAft>
+                <a:spcPts val="0"/>
+              </a:spcAft>
+              <a:buClrTx/>
+              <a:buSzTx/>
+              <a:buFontTx/>
+              <a:buNone/>
+              <a:tabLst/>
+              <a:defRPr/>
+            </a:pPr>
+            <a:r>
+              <a:rPr lang="en-SG" dirty="0"/>
+              <a:t>Successful case – and on multiple causal relations!</a:t>
+            </a:r>
+          </a:p>
+          <a:p>
             <a:endParaRPr lang="en-SG" dirty="0"/>
           </a:p>
         </p:txBody>
@@ -4463,7 +4510,7 @@
     </p:spTree>
     <p:extLst>
       <p:ext uri="{BB962C8B-B14F-4D97-AF65-F5344CB8AC3E}">
-        <p14:creationId xmlns:p14="http://schemas.microsoft.com/office/powerpoint/2010/main" val="4141959478"/>
+        <p14:creationId xmlns:p14="http://schemas.microsoft.com/office/powerpoint/2010/main" val="217681530"/>
       </p:ext>
     </p:extLst>
   </p:cSld>
@@ -4517,13 +4564,9 @@
           <a:bodyPr/>
           <a:lstStyle/>
           <a:p>
-            <a:pPr marL="171450" indent="-171450">
-              <a:buFont typeface="Arial" panose="020B0604020202020204" pitchFamily="34" charset="0"/>
-              <a:buChar char="•"/>
-            </a:pPr>
             <a:r>
               <a:rPr lang="en-SG" dirty="0"/>
-              <a:t>Review timeline given any additional work</a:t>
+              <a:t>Successful case</a:t>
             </a:r>
           </a:p>
         </p:txBody>
@@ -4531,7 +4574,7 @@
     </p:spTree>
     <p:extLst>
       <p:ext uri="{BB962C8B-B14F-4D97-AF65-F5344CB8AC3E}">
-        <p14:creationId xmlns:p14="http://schemas.microsoft.com/office/powerpoint/2010/main" val="342724743"/>
+        <p14:creationId xmlns:p14="http://schemas.microsoft.com/office/powerpoint/2010/main" val="3262878544"/>
       </p:ext>
     </p:extLst>
   </p:cSld>
@@ -4585,112 +4628,17 @@
           <a:bodyPr/>
           <a:lstStyle/>
           <a:p>
-            <a:pPr marL="0" indent="0" defTabSz="1302014">
-              <a:buFont typeface="Arial" panose="020B0604020202020204" pitchFamily="34" charset="0"/>
-              <a:buNone/>
-            </a:pPr>
             <a:r>
               <a:rPr lang="en-SG" dirty="0"/>
-              <a:t>Other details:</a:t>
-            </a:r>
-          </a:p>
-          <a:p>
-            <a:pPr marL="171450" indent="-171450" defTabSz="1302014">
-              <a:buFont typeface="Arial" panose="020B0604020202020204" pitchFamily="34" charset="0"/>
-              <a:buChar char="•"/>
-            </a:pPr>
-            <a:r>
-              <a:rPr lang="en-US" dirty="0"/>
-              <a:t>6384 unique articles, 55354 sentences in total to work with.</a:t>
-            </a:r>
-          </a:p>
-          <a:p>
-            <a:pPr marL="171450" indent="-171450" defTabSz="1302014">
-              <a:buFont typeface="Arial" panose="020B0604020202020204" pitchFamily="34" charset="0"/>
-              <a:buChar char="•"/>
-            </a:pPr>
-            <a:r>
-              <a:rPr lang="en-US" dirty="0"/>
-              <a:t>Should we prototype with all the articles or just a subset?</a:t>
-            </a:r>
-          </a:p>
-          <a:p>
-            <a:pPr marL="171450" indent="-171450" defTabSz="1302014">
-              <a:buFont typeface="Arial" panose="020B0604020202020204" pitchFamily="34" charset="0"/>
-              <a:buChar char="•"/>
-            </a:pPr>
-            <a:r>
-              <a:rPr lang="en-US" dirty="0"/>
-              <a:t>Are you sure causal relations are the only thing worth </a:t>
-            </a:r>
-            <a:r>
-              <a:rPr lang="en-US" dirty="0" err="1"/>
-              <a:t>analysing</a:t>
-            </a:r>
-            <a:r>
-              <a:rPr lang="en-US" dirty="0"/>
-              <a:t>? If the aim is to survey current trends and news, I think we need more than causal relations. It’s more of summary, highlight impactful sentences (maybe sentences with a lot of events), and maybe the causal part is a small point to note.</a:t>
-            </a:r>
-          </a:p>
-          <a:p>
-            <a:pPr marL="171450" marR="0" lvl="0" indent="-171450" algn="l" defTabSz="1302014" rtl="0" eaLnBrk="1" fontAlgn="auto" latinLnBrk="0" hangingPunct="1">
-              <a:lnSpc>
-                <a:spcPct val="100000"/>
-              </a:lnSpc>
-              <a:spcBef>
-                <a:spcPts val="0"/>
-              </a:spcBef>
-              <a:spcAft>
-                <a:spcPts val="0"/>
-              </a:spcAft>
-              <a:buClrTx/>
-              <a:buSzTx/>
-              <a:buFont typeface="Arial" panose="020B0604020202020204" pitchFamily="34" charset="0"/>
-              <a:buChar char="•"/>
-              <a:tabLst/>
-              <a:defRPr/>
-            </a:pPr>
-            <a:r>
-              <a:rPr lang="en-SG" dirty="0"/>
-              <a:t>Multi-sentence issues</a:t>
-            </a:r>
-          </a:p>
-          <a:p>
-            <a:pPr marL="171450" indent="-171450" defTabSz="1302014">
-              <a:buFont typeface="Arial" panose="020B0604020202020204" pitchFamily="34" charset="0"/>
-              <a:buChar char="•"/>
-            </a:pPr>
-            <a:endParaRPr lang="en-US" dirty="0"/>
-          </a:p>
-          <a:p>
-            <a:pPr marL="0" indent="0" defTabSz="1302014">
-              <a:buFont typeface="Arial" panose="020B0604020202020204" pitchFamily="34" charset="0"/>
-              <a:buNone/>
-            </a:pPr>
-            <a:r>
-              <a:rPr lang="en-US" dirty="0"/>
-              <a:t>Issues after curating relations (can discuss later):</a:t>
-            </a:r>
-          </a:p>
-          <a:p>
-            <a:pPr marL="171450" indent="-171450" defTabSz="1302014">
-              <a:buFont typeface="Arial" panose="020B0604020202020204" pitchFamily="34" charset="0"/>
-              <a:buChar char="•"/>
-            </a:pPr>
-            <a:r>
-              <a:rPr lang="en-SG" dirty="0"/>
-              <a:t>Synonyms/co-reference resolution/generalization issues</a:t>
-            </a:r>
-          </a:p>
-          <a:p>
-            <a:endParaRPr lang="en-SG" dirty="0"/>
+              <a:t>Failure cases – Identify wrongly</a:t>
+            </a:r>
           </a:p>
         </p:txBody>
       </p:sp>
     </p:spTree>
     <p:extLst>
       <p:ext uri="{BB962C8B-B14F-4D97-AF65-F5344CB8AC3E}">
-        <p14:creationId xmlns:p14="http://schemas.microsoft.com/office/powerpoint/2010/main" val="531279947"/>
+        <p14:creationId xmlns:p14="http://schemas.microsoft.com/office/powerpoint/2010/main" val="1815524413"/>
       </p:ext>
     </p:extLst>
   </p:cSld>
@@ -4744,42 +4692,26 @@
           <a:bodyPr/>
           <a:lstStyle/>
           <a:p>
-            <a:pPr marL="347472" lvl="0" algn="l"/>
-            <a:r>
-              <a:rPr lang="en-US" b="0" i="0" dirty="0">
-                <a:solidFill>
-                  <a:srgbClr val="FFFFFF"/>
-                </a:solidFill>
-                <a:effectLst/>
-                <a:latin typeface="-apple-system"/>
-              </a:rPr>
-              <a:t>1. Create a Causal Chain  (1 to 5 above steps) tuned to Panasonic Database</a:t>
-            </a:r>
-          </a:p>
-          <a:p>
-            <a:pPr marL="347472" lvl="0" algn="l"/>
-            <a:r>
-              <a:rPr lang="en-US" b="0" i="0" dirty="0">
-                <a:solidFill>
-                  <a:srgbClr val="FFFFFF"/>
-                </a:solidFill>
-                <a:effectLst/>
-                <a:latin typeface="-apple-system"/>
-              </a:rPr>
-              <a:t>2. Add time aspect to the Causal Chain Time recognition NLP</a:t>
-            </a:r>
-          </a:p>
-          <a:p>
-            <a:pPr marL="347472" lvl="0" algn="l"/>
-            <a:r>
-              <a:rPr lang="en-US" b="0" i="0" dirty="0">
-                <a:solidFill>
-                  <a:srgbClr val="FFFFFF"/>
-                </a:solidFill>
-                <a:effectLst/>
-                <a:latin typeface="-apple-system"/>
-              </a:rPr>
-              <a:t>3. Add Sentiment aspect to the Causal Chain  Based on pre-defined sentiment model</a:t>
+            <a:pPr marL="0" marR="0" lvl="0" indent="0" algn="l" defTabSz="914296" rtl="0" eaLnBrk="1" fontAlgn="auto" latinLnBrk="0" hangingPunct="1">
+              <a:lnSpc>
+                <a:spcPct val="100000"/>
+              </a:lnSpc>
+              <a:spcBef>
+                <a:spcPts val="0"/>
+              </a:spcBef>
+              <a:spcAft>
+                <a:spcPts val="0"/>
+              </a:spcAft>
+              <a:buClrTx/>
+              <a:buSzTx/>
+              <a:buFontTx/>
+              <a:buNone/>
+              <a:tabLst/>
+              <a:defRPr/>
+            </a:pPr>
+            <a:r>
+              <a:rPr lang="en-SG" dirty="0"/>
+              <a:t>Failure cases – Cannot identify</a:t>
             </a:r>
           </a:p>
           <a:p>
@@ -4790,7 +4722,7 @@
     </p:spTree>
     <p:extLst>
       <p:ext uri="{BB962C8B-B14F-4D97-AF65-F5344CB8AC3E}">
-        <p14:creationId xmlns:p14="http://schemas.microsoft.com/office/powerpoint/2010/main" val="618934547"/>
+        <p14:creationId xmlns:p14="http://schemas.microsoft.com/office/powerpoint/2010/main" val="3955154831"/>
       </p:ext>
     </p:extLst>
   </p:cSld>
@@ -4827,12 +4759,7 @@
             <p:ph type="sldImg"/>
           </p:nvPr>
         </p:nvSpPr>
-        <p:spPr>
-          <a:xfrm>
-            <a:off x="717550" y="1831975"/>
-            <a:ext cx="8799513" cy="4949825"/>
-          </a:xfrm>
-        </p:spPr>
+        <p:spPr/>
       </p:sp>
       <p:sp>
         <p:nvSpPr>
@@ -4849,7 +4776,6 @@
           <a:bodyPr/>
           <a:lstStyle/>
           <a:p>
-            <a:pPr defTabSz="1302014"/>
             <a:endParaRPr lang="en-SG" dirty="0"/>
           </a:p>
         </p:txBody>
@@ -4857,7 +4783,334 @@
     </p:spTree>
     <p:extLst>
       <p:ext uri="{BB962C8B-B14F-4D97-AF65-F5344CB8AC3E}">
-        <p14:creationId xmlns:p14="http://schemas.microsoft.com/office/powerpoint/2010/main" val="275476372"/>
+        <p14:creationId xmlns:p14="http://schemas.microsoft.com/office/powerpoint/2010/main" val="4141959478"/>
+      </p:ext>
+    </p:extLst>
+  </p:cSld>
+  <p:clrMapOvr>
+    <a:masterClrMapping/>
+  </p:clrMapOvr>
+</p:notes>
+</file>
+
+<file path=ppt/notesSlides/notesSlide17.xml><?xml version="1.0" encoding="utf-8"?>
+<p:notes xmlns:a="http://schemas.openxmlformats.org/drawingml/2006/main" xmlns:r="http://schemas.openxmlformats.org/officeDocument/2006/relationships" xmlns:p="http://schemas.openxmlformats.org/presentationml/2006/main">
+  <p:cSld>
+    <p:spTree>
+      <p:nvGrpSpPr>
+        <p:cNvPr id="1" name=""/>
+        <p:cNvGrpSpPr/>
+        <p:nvPr/>
+      </p:nvGrpSpPr>
+      <p:grpSpPr>
+        <a:xfrm>
+          <a:off x="0" y="0"/>
+          <a:ext cx="0" cy="0"/>
+          <a:chOff x="0" y="0"/>
+          <a:chExt cx="0" cy="0"/>
+        </a:xfrm>
+      </p:grpSpPr>
+      <p:sp>
+        <p:nvSpPr>
+          <p:cNvPr id="2" name="Slide Image Placeholder 1"/>
+          <p:cNvSpPr>
+            <a:spLocks noGrp="1" noRot="1" noChangeAspect="1"/>
+          </p:cNvSpPr>
+          <p:nvPr>
+            <p:ph type="sldImg"/>
+          </p:nvPr>
+        </p:nvSpPr>
+        <p:spPr/>
+      </p:sp>
+      <p:sp>
+        <p:nvSpPr>
+          <p:cNvPr id="3" name="Notes Placeholder 2"/>
+          <p:cNvSpPr>
+            <a:spLocks noGrp="1"/>
+          </p:cNvSpPr>
+          <p:nvPr>
+            <p:ph type="body" idx="1"/>
+          </p:nvPr>
+        </p:nvSpPr>
+        <p:spPr/>
+        <p:txBody>
+          <a:bodyPr/>
+          <a:lstStyle/>
+          <a:p>
+            <a:pPr marL="171450" indent="-171450">
+              <a:buFont typeface="Arial" panose="020B0604020202020204" pitchFamily="34" charset="0"/>
+              <a:buChar char="•"/>
+            </a:pPr>
+            <a:r>
+              <a:rPr lang="en-SG" dirty="0"/>
+              <a:t>Review timeline given any additional work</a:t>
+            </a:r>
+          </a:p>
+        </p:txBody>
+      </p:sp>
+    </p:spTree>
+    <p:extLst>
+      <p:ext uri="{BB962C8B-B14F-4D97-AF65-F5344CB8AC3E}">
+        <p14:creationId xmlns:p14="http://schemas.microsoft.com/office/powerpoint/2010/main" val="342724743"/>
+      </p:ext>
+    </p:extLst>
+  </p:cSld>
+  <p:clrMapOvr>
+    <a:masterClrMapping/>
+  </p:clrMapOvr>
+</p:notes>
+</file>
+
+<file path=ppt/notesSlides/notesSlide18.xml><?xml version="1.0" encoding="utf-8"?>
+<p:notes xmlns:a="http://schemas.openxmlformats.org/drawingml/2006/main" xmlns:r="http://schemas.openxmlformats.org/officeDocument/2006/relationships" xmlns:p="http://schemas.openxmlformats.org/presentationml/2006/main">
+  <p:cSld>
+    <p:spTree>
+      <p:nvGrpSpPr>
+        <p:cNvPr id="1" name=""/>
+        <p:cNvGrpSpPr/>
+        <p:nvPr/>
+      </p:nvGrpSpPr>
+      <p:grpSpPr>
+        <a:xfrm>
+          <a:off x="0" y="0"/>
+          <a:ext cx="0" cy="0"/>
+          <a:chOff x="0" y="0"/>
+          <a:chExt cx="0" cy="0"/>
+        </a:xfrm>
+      </p:grpSpPr>
+      <p:sp>
+        <p:nvSpPr>
+          <p:cNvPr id="2" name="Slide Image Placeholder 1"/>
+          <p:cNvSpPr>
+            <a:spLocks noGrp="1" noRot="1" noChangeAspect="1"/>
+          </p:cNvSpPr>
+          <p:nvPr>
+            <p:ph type="sldImg"/>
+          </p:nvPr>
+        </p:nvSpPr>
+        <p:spPr/>
+      </p:sp>
+      <p:sp>
+        <p:nvSpPr>
+          <p:cNvPr id="3" name="Notes Placeholder 2"/>
+          <p:cNvSpPr>
+            <a:spLocks noGrp="1"/>
+          </p:cNvSpPr>
+          <p:nvPr>
+            <p:ph type="body" idx="1"/>
+          </p:nvPr>
+        </p:nvSpPr>
+        <p:spPr/>
+        <p:txBody>
+          <a:bodyPr/>
+          <a:lstStyle/>
+          <a:p>
+            <a:pPr marL="0" indent="0" defTabSz="1302014">
+              <a:buFont typeface="Arial" panose="020B0604020202020204" pitchFamily="34" charset="0"/>
+              <a:buNone/>
+            </a:pPr>
+            <a:r>
+              <a:rPr lang="en-SG" dirty="0"/>
+              <a:t>Other details:</a:t>
+            </a:r>
+          </a:p>
+          <a:p>
+            <a:pPr marL="171450" indent="-171450" defTabSz="1302014">
+              <a:buFont typeface="Arial" panose="020B0604020202020204" pitchFamily="34" charset="0"/>
+              <a:buChar char="•"/>
+            </a:pPr>
+            <a:r>
+              <a:rPr lang="en-US" dirty="0"/>
+              <a:t>6384 unique articles, 55354 sentences in total to work with.</a:t>
+            </a:r>
+          </a:p>
+          <a:p>
+            <a:pPr marL="171450" indent="-171450" defTabSz="1302014">
+              <a:buFont typeface="Arial" panose="020B0604020202020204" pitchFamily="34" charset="0"/>
+              <a:buChar char="•"/>
+            </a:pPr>
+            <a:r>
+              <a:rPr lang="en-US" dirty="0"/>
+              <a:t>Should we prototype with all the articles or just a subset?</a:t>
+            </a:r>
+          </a:p>
+          <a:p>
+            <a:pPr marL="171450" indent="-171450" defTabSz="1302014">
+              <a:buFont typeface="Arial" panose="020B0604020202020204" pitchFamily="34" charset="0"/>
+              <a:buChar char="•"/>
+            </a:pPr>
+            <a:r>
+              <a:rPr lang="en-US" dirty="0"/>
+              <a:t>Are you sure causal relations are the only thing worth </a:t>
+            </a:r>
+            <a:r>
+              <a:rPr lang="en-US" dirty="0" err="1"/>
+              <a:t>analysing</a:t>
+            </a:r>
+            <a:r>
+              <a:rPr lang="en-US" dirty="0"/>
+              <a:t>? If the aim is to survey current trends and news, I think we need more than causal relations. It’s more of summary, highlight impactful sentences (maybe sentences with a lot of events), and maybe the causal part is a small point to note.</a:t>
+            </a:r>
+          </a:p>
+          <a:p>
+            <a:pPr marL="171450" marR="0" lvl="0" indent="-171450" algn="l" defTabSz="1302014" rtl="0" eaLnBrk="1" fontAlgn="auto" latinLnBrk="0" hangingPunct="1">
+              <a:lnSpc>
+                <a:spcPct val="100000"/>
+              </a:lnSpc>
+              <a:spcBef>
+                <a:spcPts val="0"/>
+              </a:spcBef>
+              <a:spcAft>
+                <a:spcPts val="0"/>
+              </a:spcAft>
+              <a:buClrTx/>
+              <a:buSzTx/>
+              <a:buFont typeface="Arial" panose="020B0604020202020204" pitchFamily="34" charset="0"/>
+              <a:buChar char="•"/>
+              <a:tabLst/>
+              <a:defRPr/>
+            </a:pPr>
+            <a:r>
+              <a:rPr lang="en-SG" dirty="0"/>
+              <a:t>Multi-sentence issues</a:t>
+            </a:r>
+          </a:p>
+          <a:p>
+            <a:pPr marL="171450" indent="-171450" defTabSz="1302014">
+              <a:buFont typeface="Arial" panose="020B0604020202020204" pitchFamily="34" charset="0"/>
+              <a:buChar char="•"/>
+            </a:pPr>
+            <a:endParaRPr lang="en-US" dirty="0"/>
+          </a:p>
+          <a:p>
+            <a:pPr marL="0" indent="0" defTabSz="1302014">
+              <a:buFont typeface="Arial" panose="020B0604020202020204" pitchFamily="34" charset="0"/>
+              <a:buNone/>
+            </a:pPr>
+            <a:r>
+              <a:rPr lang="en-US" dirty="0"/>
+              <a:t>Issues after curating relations (can discuss later):</a:t>
+            </a:r>
+          </a:p>
+          <a:p>
+            <a:pPr marL="171450" indent="-171450" defTabSz="1302014">
+              <a:buFont typeface="Arial" panose="020B0604020202020204" pitchFamily="34" charset="0"/>
+              <a:buChar char="•"/>
+            </a:pPr>
+            <a:r>
+              <a:rPr lang="en-SG" dirty="0"/>
+              <a:t>Synonyms/co-reference resolution/generalization issues</a:t>
+            </a:r>
+          </a:p>
+          <a:p>
+            <a:endParaRPr lang="en-SG" dirty="0"/>
+          </a:p>
+        </p:txBody>
+      </p:sp>
+    </p:spTree>
+    <p:extLst>
+      <p:ext uri="{BB962C8B-B14F-4D97-AF65-F5344CB8AC3E}">
+        <p14:creationId xmlns:p14="http://schemas.microsoft.com/office/powerpoint/2010/main" val="531279947"/>
+      </p:ext>
+    </p:extLst>
+  </p:cSld>
+  <p:clrMapOvr>
+    <a:masterClrMapping/>
+  </p:clrMapOvr>
+</p:notes>
+</file>
+
+<file path=ppt/notesSlides/notesSlide19.xml><?xml version="1.0" encoding="utf-8"?>
+<p:notes xmlns:a="http://schemas.openxmlformats.org/drawingml/2006/main" xmlns:r="http://schemas.openxmlformats.org/officeDocument/2006/relationships" xmlns:p="http://schemas.openxmlformats.org/presentationml/2006/main">
+  <p:cSld>
+    <p:spTree>
+      <p:nvGrpSpPr>
+        <p:cNvPr id="1" name=""/>
+        <p:cNvGrpSpPr/>
+        <p:nvPr/>
+      </p:nvGrpSpPr>
+      <p:grpSpPr>
+        <a:xfrm>
+          <a:off x="0" y="0"/>
+          <a:ext cx="0" cy="0"/>
+          <a:chOff x="0" y="0"/>
+          <a:chExt cx="0" cy="0"/>
+        </a:xfrm>
+      </p:grpSpPr>
+      <p:sp>
+        <p:nvSpPr>
+          <p:cNvPr id="2" name="Slide Image Placeholder 1"/>
+          <p:cNvSpPr>
+            <a:spLocks noGrp="1" noRot="1" noChangeAspect="1"/>
+          </p:cNvSpPr>
+          <p:nvPr>
+            <p:ph type="sldImg"/>
+          </p:nvPr>
+        </p:nvSpPr>
+        <p:spPr/>
+      </p:sp>
+      <p:sp>
+        <p:nvSpPr>
+          <p:cNvPr id="3" name="Notes Placeholder 2"/>
+          <p:cNvSpPr>
+            <a:spLocks noGrp="1"/>
+          </p:cNvSpPr>
+          <p:nvPr>
+            <p:ph type="body" idx="1"/>
+          </p:nvPr>
+        </p:nvSpPr>
+        <p:spPr/>
+        <p:txBody>
+          <a:bodyPr/>
+          <a:lstStyle/>
+          <a:p>
+            <a:pPr marL="347472" lvl="0" algn="l"/>
+            <a:r>
+              <a:rPr lang="en-US" b="0" i="0" dirty="0">
+                <a:solidFill>
+                  <a:srgbClr val="FFFFFF"/>
+                </a:solidFill>
+                <a:effectLst/>
+                <a:latin typeface="-apple-system"/>
+              </a:rPr>
+              <a:t>1. Create a Causal Chain  (1 to 5 above steps) tuned to Panasonic Database</a:t>
+            </a:r>
+          </a:p>
+          <a:p>
+            <a:pPr marL="347472" lvl="0" algn="l"/>
+            <a:r>
+              <a:rPr lang="en-US" b="0" i="0" dirty="0">
+                <a:solidFill>
+                  <a:srgbClr val="FFFFFF"/>
+                </a:solidFill>
+                <a:effectLst/>
+                <a:latin typeface="-apple-system"/>
+              </a:rPr>
+              <a:t>2. Add time aspect to the Causal Chain Time recognition NLP</a:t>
+            </a:r>
+          </a:p>
+          <a:p>
+            <a:pPr marL="347472" lvl="0" algn="l"/>
+            <a:r>
+              <a:rPr lang="en-US" b="0" i="0" dirty="0">
+                <a:solidFill>
+                  <a:srgbClr val="FFFFFF"/>
+                </a:solidFill>
+                <a:effectLst/>
+                <a:latin typeface="-apple-system"/>
+              </a:rPr>
+              <a:t>3. Add Sentiment aspect to the Causal Chain  Based on pre-defined sentiment model</a:t>
+            </a:r>
+          </a:p>
+          <a:p>
+            <a:endParaRPr lang="en-SG" dirty="0"/>
+          </a:p>
+        </p:txBody>
+      </p:sp>
+    </p:spTree>
+    <p:extLst>
+      <p:ext uri="{BB962C8B-B14F-4D97-AF65-F5344CB8AC3E}">
+        <p14:creationId xmlns:p14="http://schemas.microsoft.com/office/powerpoint/2010/main" val="618934547"/>
       </p:ext>
     </p:extLst>
   </p:cSld>
@@ -4960,6 +5213,73 @@
     <p:extLst>
       <p:ext uri="{BB962C8B-B14F-4D97-AF65-F5344CB8AC3E}">
         <p14:creationId xmlns:p14="http://schemas.microsoft.com/office/powerpoint/2010/main" val="1937965525"/>
+      </p:ext>
+    </p:extLst>
+  </p:cSld>
+  <p:clrMapOvr>
+    <a:masterClrMapping/>
+  </p:clrMapOvr>
+</p:notes>
+</file>
+
+<file path=ppt/notesSlides/notesSlide20.xml><?xml version="1.0" encoding="utf-8"?>
+<p:notes xmlns:a="http://schemas.openxmlformats.org/drawingml/2006/main" xmlns:r="http://schemas.openxmlformats.org/officeDocument/2006/relationships" xmlns:p="http://schemas.openxmlformats.org/presentationml/2006/main">
+  <p:cSld>
+    <p:spTree>
+      <p:nvGrpSpPr>
+        <p:cNvPr id="1" name=""/>
+        <p:cNvGrpSpPr/>
+        <p:nvPr/>
+      </p:nvGrpSpPr>
+      <p:grpSpPr>
+        <a:xfrm>
+          <a:off x="0" y="0"/>
+          <a:ext cx="0" cy="0"/>
+          <a:chOff x="0" y="0"/>
+          <a:chExt cx="0" cy="0"/>
+        </a:xfrm>
+      </p:grpSpPr>
+      <p:sp>
+        <p:nvSpPr>
+          <p:cNvPr id="2" name="Slide Image Placeholder 1"/>
+          <p:cNvSpPr>
+            <a:spLocks noGrp="1" noRot="1" noChangeAspect="1"/>
+          </p:cNvSpPr>
+          <p:nvPr>
+            <p:ph type="sldImg"/>
+          </p:nvPr>
+        </p:nvSpPr>
+        <p:spPr>
+          <a:xfrm>
+            <a:off x="717550" y="1831975"/>
+            <a:ext cx="8799513" cy="4949825"/>
+          </a:xfrm>
+        </p:spPr>
+      </p:sp>
+      <p:sp>
+        <p:nvSpPr>
+          <p:cNvPr id="3" name="Notes Placeholder 2"/>
+          <p:cNvSpPr>
+            <a:spLocks noGrp="1"/>
+          </p:cNvSpPr>
+          <p:nvPr>
+            <p:ph type="body" idx="1"/>
+          </p:nvPr>
+        </p:nvSpPr>
+        <p:spPr/>
+        <p:txBody>
+          <a:bodyPr/>
+          <a:lstStyle/>
+          <a:p>
+            <a:pPr defTabSz="1302014"/>
+            <a:endParaRPr lang="en-SG" dirty="0"/>
+          </a:p>
+        </p:txBody>
+      </p:sp>
+    </p:spTree>
+    <p:extLst>
+      <p:ext uri="{BB962C8B-B14F-4D97-AF65-F5344CB8AC3E}">
+        <p14:creationId xmlns:p14="http://schemas.microsoft.com/office/powerpoint/2010/main" val="275476372"/>
       </p:ext>
     </p:extLst>
   </p:cSld>
@@ -5326,6 +5646,20 @@
             <a:endParaRPr lang="en-SG" dirty="0"/>
           </a:p>
           <a:p>
+            <a:r>
+              <a:rPr lang="en-SG" dirty="0"/>
+              <a:t>Thoughts: Are we filtering away too </a:t>
+            </a:r>
+            <a:r>
+              <a:rPr lang="en-SG"/>
+              <a:t>many relations?</a:t>
+            </a:r>
+            <a:endParaRPr lang="en-SG" dirty="0"/>
+          </a:p>
+          <a:p>
+            <a:endParaRPr lang="en-SG" dirty="0"/>
+          </a:p>
+          <a:p>
             <a:endParaRPr lang="en-SG" dirty="0"/>
           </a:p>
           <a:p>
@@ -5594,6 +5928,21 @@
               <a:rPr lang="en-SG" dirty="0"/>
               <a:t>Should I remove exactly same sentences (from different articles)? Or ignore/act as if they don’t exist (small sample size anyway)</a:t>
             </a:r>
+          </a:p>
+          <a:p>
+            <a:r>
+              <a:rPr lang="en-SG" dirty="0">
+                <a:sym typeface="Wingdings" panose="05000000000000000000" pitchFamily="2" charset="2"/>
+              </a:rPr>
+              <a:t> verdict: Maybe repeated entries &lt;1 support, e.g. this example gets like 1.5 support or </a:t>
+            </a:r>
+            <a:r>
+              <a:rPr lang="en-SG">
+                <a:sym typeface="Wingdings" panose="05000000000000000000" pitchFamily="2" charset="2"/>
+              </a:rPr>
+              <a:t>smth</a:t>
+            </a:r>
+            <a:endParaRPr lang="en-SG" dirty="0"/>
           </a:p>
         </p:txBody>
       </p:sp>
@@ -9490,15 +9839,7 @@
           <a:p>
             <a:r>
               <a:rPr lang="en-US" sz="1700" dirty="0"/>
-              <a:t>We could use NLP Tools #6 &amp; #7 that could </a:t>
-            </a:r>
-            <a:r>
-              <a:rPr lang="en-US" sz="1700" i="1" dirty="0"/>
-              <a:t>possibly</a:t>
-            </a:r>
-            <a:r>
-              <a:rPr lang="en-US" sz="1700" dirty="0"/>
-              <a:t> detect parts of these</a:t>
+              <a:t>We could explore other NLP tools???</a:t>
             </a:r>
             <a:endParaRPr lang="en-SG" sz="1700" dirty="0"/>
           </a:p>
@@ -9568,6 +9909,506 @@
 </file>
 
 <file path=ppt/slides/slide13.xml><?xml version="1.0" encoding="utf-8"?>
+<p:sld xmlns:a="http://schemas.openxmlformats.org/drawingml/2006/main" xmlns:r="http://schemas.openxmlformats.org/officeDocument/2006/relationships" xmlns:p="http://schemas.openxmlformats.org/presentationml/2006/main">
+  <p:cSld>
+    <p:spTree>
+      <p:nvGrpSpPr>
+        <p:cNvPr id="1" name=""/>
+        <p:cNvGrpSpPr/>
+        <p:nvPr/>
+      </p:nvGrpSpPr>
+      <p:grpSpPr>
+        <a:xfrm>
+          <a:off x="0" y="0"/>
+          <a:ext cx="0" cy="0"/>
+          <a:chOff x="0" y="0"/>
+          <a:chExt cx="0" cy="0"/>
+        </a:xfrm>
+      </p:grpSpPr>
+      <p:sp>
+        <p:nvSpPr>
+          <p:cNvPr id="2" name="Title 1">
+            <a:extLst>
+              <a:ext uri="{FF2B5EF4-FFF2-40B4-BE49-F238E27FC236}">
+                <a16:creationId xmlns:a16="http://schemas.microsoft.com/office/drawing/2014/main" id="{38F4B171-1B17-4712-6C54-219FC2A20EA1}"/>
+              </a:ext>
+            </a:extLst>
+          </p:cNvPr>
+          <p:cNvSpPr>
+            <a:spLocks noGrp="1"/>
+          </p:cNvSpPr>
+          <p:nvPr>
+            <p:ph type="title"/>
+          </p:nvPr>
+        </p:nvSpPr>
+        <p:spPr/>
+        <p:txBody>
+          <a:bodyPr/>
+          <a:lstStyle/>
+          <a:p>
+            <a:endParaRPr lang="en-SG"/>
+          </a:p>
+        </p:txBody>
+      </p:sp>
+      <p:sp>
+        <p:nvSpPr>
+          <p:cNvPr id="3" name="Content Placeholder 2">
+            <a:extLst>
+              <a:ext uri="{FF2B5EF4-FFF2-40B4-BE49-F238E27FC236}">
+                <a16:creationId xmlns:a16="http://schemas.microsoft.com/office/drawing/2014/main" id="{67F5341B-3F85-BE11-DC60-763AF5F0CC4C}"/>
+              </a:ext>
+            </a:extLst>
+          </p:cNvPr>
+          <p:cNvSpPr>
+            <a:spLocks noGrp="1"/>
+          </p:cNvSpPr>
+          <p:nvPr>
+            <p:ph idx="1"/>
+          </p:nvPr>
+        </p:nvSpPr>
+        <p:spPr/>
+        <p:txBody>
+          <a:bodyPr/>
+          <a:lstStyle/>
+          <a:p>
+            <a:endParaRPr lang="en-SG"/>
+          </a:p>
+        </p:txBody>
+      </p:sp>
+      <p:pic>
+        <p:nvPicPr>
+          <p:cNvPr id="7" name="Picture 6">
+            <a:extLst>
+              <a:ext uri="{FF2B5EF4-FFF2-40B4-BE49-F238E27FC236}">
+                <a16:creationId xmlns:a16="http://schemas.microsoft.com/office/drawing/2014/main" id="{24C278A4-704D-DB80-0439-D8B2A817105A}"/>
+              </a:ext>
+            </a:extLst>
+          </p:cNvPr>
+          <p:cNvPicPr>
+            <a:picLocks noChangeAspect="1"/>
+          </p:cNvPicPr>
+          <p:nvPr/>
+        </p:nvPicPr>
+        <p:blipFill>
+          <a:blip r:embed="rId3"/>
+          <a:stretch>
+            <a:fillRect/>
+          </a:stretch>
+        </p:blipFill>
+        <p:spPr>
+          <a:xfrm>
+            <a:off x="0" y="685977"/>
+            <a:ext cx="9144000" cy="4262438"/>
+          </a:xfrm>
+          <a:prstGeom prst="rect">
+            <a:avLst/>
+          </a:prstGeom>
+        </p:spPr>
+      </p:pic>
+      <p:pic>
+        <p:nvPicPr>
+          <p:cNvPr id="9" name="Picture 8">
+            <a:extLst>
+              <a:ext uri="{FF2B5EF4-FFF2-40B4-BE49-F238E27FC236}">
+                <a16:creationId xmlns:a16="http://schemas.microsoft.com/office/drawing/2014/main" id="{23391C90-6509-7C79-43C5-66E22F5A37AE}"/>
+              </a:ext>
+            </a:extLst>
+          </p:cNvPr>
+          <p:cNvPicPr>
+            <a:picLocks noChangeAspect="1"/>
+          </p:cNvPicPr>
+          <p:nvPr/>
+        </p:nvPicPr>
+        <p:blipFill>
+          <a:blip r:embed="rId4"/>
+          <a:stretch>
+            <a:fillRect/>
+          </a:stretch>
+        </p:blipFill>
+        <p:spPr>
+          <a:xfrm>
+            <a:off x="0" y="244127"/>
+            <a:ext cx="5514975" cy="438150"/>
+          </a:xfrm>
+          <a:prstGeom prst="rect">
+            <a:avLst/>
+          </a:prstGeom>
+        </p:spPr>
+      </p:pic>
+    </p:spTree>
+    <p:extLst>
+      <p:ext uri="{BB962C8B-B14F-4D97-AF65-F5344CB8AC3E}">
+        <p14:creationId xmlns:p14="http://schemas.microsoft.com/office/powerpoint/2010/main" val="3053441492"/>
+      </p:ext>
+    </p:extLst>
+  </p:cSld>
+  <p:clrMapOvr>
+    <a:masterClrMapping/>
+  </p:clrMapOvr>
+</p:sld>
+</file>
+
+<file path=ppt/slides/slide14.xml><?xml version="1.0" encoding="utf-8"?>
+<p:sld xmlns:a="http://schemas.openxmlformats.org/drawingml/2006/main" xmlns:r="http://schemas.openxmlformats.org/officeDocument/2006/relationships" xmlns:p="http://schemas.openxmlformats.org/presentationml/2006/main">
+  <p:cSld>
+    <p:spTree>
+      <p:nvGrpSpPr>
+        <p:cNvPr id="1" name=""/>
+        <p:cNvGrpSpPr/>
+        <p:nvPr/>
+      </p:nvGrpSpPr>
+      <p:grpSpPr>
+        <a:xfrm>
+          <a:off x="0" y="0"/>
+          <a:ext cx="0" cy="0"/>
+          <a:chOff x="0" y="0"/>
+          <a:chExt cx="0" cy="0"/>
+        </a:xfrm>
+      </p:grpSpPr>
+      <p:sp>
+        <p:nvSpPr>
+          <p:cNvPr id="2" name="Title 1">
+            <a:extLst>
+              <a:ext uri="{FF2B5EF4-FFF2-40B4-BE49-F238E27FC236}">
+                <a16:creationId xmlns:a16="http://schemas.microsoft.com/office/drawing/2014/main" id="{E77B62AC-678F-8B21-108B-1FCEC33D0DFE}"/>
+              </a:ext>
+            </a:extLst>
+          </p:cNvPr>
+          <p:cNvSpPr>
+            <a:spLocks noGrp="1"/>
+          </p:cNvSpPr>
+          <p:nvPr>
+            <p:ph type="title"/>
+          </p:nvPr>
+        </p:nvSpPr>
+        <p:spPr/>
+        <p:txBody>
+          <a:bodyPr/>
+          <a:lstStyle/>
+          <a:p>
+            <a:endParaRPr lang="en-SG"/>
+          </a:p>
+        </p:txBody>
+      </p:sp>
+      <p:sp>
+        <p:nvSpPr>
+          <p:cNvPr id="3" name="Content Placeholder 2">
+            <a:extLst>
+              <a:ext uri="{FF2B5EF4-FFF2-40B4-BE49-F238E27FC236}">
+                <a16:creationId xmlns:a16="http://schemas.microsoft.com/office/drawing/2014/main" id="{0EC98B8B-A2D6-ED2C-A6A9-B35609A5025B}"/>
+              </a:ext>
+            </a:extLst>
+          </p:cNvPr>
+          <p:cNvSpPr>
+            <a:spLocks noGrp="1"/>
+          </p:cNvSpPr>
+          <p:nvPr>
+            <p:ph idx="1"/>
+          </p:nvPr>
+        </p:nvSpPr>
+        <p:spPr/>
+        <p:txBody>
+          <a:bodyPr/>
+          <a:lstStyle/>
+          <a:p>
+            <a:endParaRPr lang="en-SG"/>
+          </a:p>
+        </p:txBody>
+      </p:sp>
+      <p:pic>
+        <p:nvPicPr>
+          <p:cNvPr id="5" name="Picture 4">
+            <a:extLst>
+              <a:ext uri="{FF2B5EF4-FFF2-40B4-BE49-F238E27FC236}">
+                <a16:creationId xmlns:a16="http://schemas.microsoft.com/office/drawing/2014/main" id="{C8CBCF57-E43A-7882-1214-FC9E756A36CF}"/>
+              </a:ext>
+            </a:extLst>
+          </p:cNvPr>
+          <p:cNvPicPr>
+            <a:picLocks noChangeAspect="1"/>
+          </p:cNvPicPr>
+          <p:nvPr/>
+        </p:nvPicPr>
+        <p:blipFill>
+          <a:blip r:embed="rId3"/>
+          <a:stretch>
+            <a:fillRect/>
+          </a:stretch>
+        </p:blipFill>
+        <p:spPr>
+          <a:xfrm>
+            <a:off x="210065" y="2901355"/>
+            <a:ext cx="8723870" cy="2124854"/>
+          </a:xfrm>
+          <a:prstGeom prst="rect">
+            <a:avLst/>
+          </a:prstGeom>
+        </p:spPr>
+      </p:pic>
+      <p:pic>
+        <p:nvPicPr>
+          <p:cNvPr id="7" name="Picture 6">
+            <a:extLst>
+              <a:ext uri="{FF2B5EF4-FFF2-40B4-BE49-F238E27FC236}">
+                <a16:creationId xmlns:a16="http://schemas.microsoft.com/office/drawing/2014/main" id="{A7DDA469-5B83-75F7-E566-122AF7FD1274}"/>
+              </a:ext>
+            </a:extLst>
+          </p:cNvPr>
+          <p:cNvPicPr>
+            <a:picLocks noChangeAspect="1"/>
+          </p:cNvPicPr>
+          <p:nvPr/>
+        </p:nvPicPr>
+        <p:blipFill>
+          <a:blip r:embed="rId4"/>
+          <a:stretch>
+            <a:fillRect/>
+          </a:stretch>
+        </p:blipFill>
+        <p:spPr>
+          <a:xfrm>
+            <a:off x="210065" y="204747"/>
+            <a:ext cx="8723870" cy="2696608"/>
+          </a:xfrm>
+          <a:prstGeom prst="rect">
+            <a:avLst/>
+          </a:prstGeom>
+        </p:spPr>
+      </p:pic>
+    </p:spTree>
+    <p:extLst>
+      <p:ext uri="{BB962C8B-B14F-4D97-AF65-F5344CB8AC3E}">
+        <p14:creationId xmlns:p14="http://schemas.microsoft.com/office/powerpoint/2010/main" val="3932518333"/>
+      </p:ext>
+    </p:extLst>
+  </p:cSld>
+  <p:clrMapOvr>
+    <a:masterClrMapping/>
+  </p:clrMapOvr>
+</p:sld>
+</file>
+
+<file path=ppt/slides/slide15.xml><?xml version="1.0" encoding="utf-8"?>
+<p:sld xmlns:a="http://schemas.openxmlformats.org/drawingml/2006/main" xmlns:r="http://schemas.openxmlformats.org/officeDocument/2006/relationships" xmlns:p="http://schemas.openxmlformats.org/presentationml/2006/main">
+  <p:cSld>
+    <p:spTree>
+      <p:nvGrpSpPr>
+        <p:cNvPr id="1" name=""/>
+        <p:cNvGrpSpPr/>
+        <p:nvPr/>
+      </p:nvGrpSpPr>
+      <p:grpSpPr>
+        <a:xfrm>
+          <a:off x="0" y="0"/>
+          <a:ext cx="0" cy="0"/>
+          <a:chOff x="0" y="0"/>
+          <a:chExt cx="0" cy="0"/>
+        </a:xfrm>
+      </p:grpSpPr>
+      <p:sp>
+        <p:nvSpPr>
+          <p:cNvPr id="2" name="Title 1">
+            <a:extLst>
+              <a:ext uri="{FF2B5EF4-FFF2-40B4-BE49-F238E27FC236}">
+                <a16:creationId xmlns:a16="http://schemas.microsoft.com/office/drawing/2014/main" id="{25F4A627-047C-A353-5C98-2C4F062F0491}"/>
+              </a:ext>
+            </a:extLst>
+          </p:cNvPr>
+          <p:cNvSpPr>
+            <a:spLocks noGrp="1"/>
+          </p:cNvSpPr>
+          <p:nvPr>
+            <p:ph type="title"/>
+          </p:nvPr>
+        </p:nvSpPr>
+        <p:spPr/>
+        <p:txBody>
+          <a:bodyPr/>
+          <a:lstStyle/>
+          <a:p>
+            <a:endParaRPr lang="en-SG"/>
+          </a:p>
+        </p:txBody>
+      </p:sp>
+      <p:sp>
+        <p:nvSpPr>
+          <p:cNvPr id="3" name="Content Placeholder 2">
+            <a:extLst>
+              <a:ext uri="{FF2B5EF4-FFF2-40B4-BE49-F238E27FC236}">
+                <a16:creationId xmlns:a16="http://schemas.microsoft.com/office/drawing/2014/main" id="{13097522-24D0-8A93-E2AC-98E2D4A19EAC}"/>
+              </a:ext>
+            </a:extLst>
+          </p:cNvPr>
+          <p:cNvSpPr>
+            <a:spLocks noGrp="1"/>
+          </p:cNvSpPr>
+          <p:nvPr>
+            <p:ph idx="1"/>
+          </p:nvPr>
+        </p:nvSpPr>
+        <p:spPr/>
+        <p:txBody>
+          <a:bodyPr/>
+          <a:lstStyle/>
+          <a:p>
+            <a:endParaRPr lang="en-SG"/>
+          </a:p>
+        </p:txBody>
+      </p:sp>
+      <p:pic>
+        <p:nvPicPr>
+          <p:cNvPr id="5" name="Picture 4">
+            <a:extLst>
+              <a:ext uri="{FF2B5EF4-FFF2-40B4-BE49-F238E27FC236}">
+                <a16:creationId xmlns:a16="http://schemas.microsoft.com/office/drawing/2014/main" id="{5113D0C7-AF8A-70FA-C191-A3D927D68F83}"/>
+              </a:ext>
+            </a:extLst>
+          </p:cNvPr>
+          <p:cNvPicPr>
+            <a:picLocks noChangeAspect="1"/>
+          </p:cNvPicPr>
+          <p:nvPr/>
+        </p:nvPicPr>
+        <p:blipFill>
+          <a:blip r:embed="rId3"/>
+          <a:stretch>
+            <a:fillRect/>
+          </a:stretch>
+        </p:blipFill>
+        <p:spPr>
+          <a:xfrm>
+            <a:off x="525870" y="0"/>
+            <a:ext cx="8092260" cy="5143500"/>
+          </a:xfrm>
+          <a:prstGeom prst="rect">
+            <a:avLst/>
+          </a:prstGeom>
+        </p:spPr>
+      </p:pic>
+    </p:spTree>
+    <p:extLst>
+      <p:ext uri="{BB962C8B-B14F-4D97-AF65-F5344CB8AC3E}">
+        <p14:creationId xmlns:p14="http://schemas.microsoft.com/office/powerpoint/2010/main" val="4126109125"/>
+      </p:ext>
+    </p:extLst>
+  </p:cSld>
+  <p:clrMapOvr>
+    <a:masterClrMapping/>
+  </p:clrMapOvr>
+</p:sld>
+</file>
+
+<file path=ppt/slides/slide16.xml><?xml version="1.0" encoding="utf-8"?>
+<p:sld xmlns:a="http://schemas.openxmlformats.org/drawingml/2006/main" xmlns:r="http://schemas.openxmlformats.org/officeDocument/2006/relationships" xmlns:p="http://schemas.openxmlformats.org/presentationml/2006/main">
+  <p:cSld>
+    <p:spTree>
+      <p:nvGrpSpPr>
+        <p:cNvPr id="1" name=""/>
+        <p:cNvGrpSpPr/>
+        <p:nvPr/>
+      </p:nvGrpSpPr>
+      <p:grpSpPr>
+        <a:xfrm>
+          <a:off x="0" y="0"/>
+          <a:ext cx="0" cy="0"/>
+          <a:chOff x="0" y="0"/>
+          <a:chExt cx="0" cy="0"/>
+        </a:xfrm>
+      </p:grpSpPr>
+      <p:sp>
+        <p:nvSpPr>
+          <p:cNvPr id="2" name="Title 1">
+            <a:extLst>
+              <a:ext uri="{FF2B5EF4-FFF2-40B4-BE49-F238E27FC236}">
+                <a16:creationId xmlns:a16="http://schemas.microsoft.com/office/drawing/2014/main" id="{D8FD604D-D2DC-DCCB-0700-7DC2789D6F9C}"/>
+              </a:ext>
+            </a:extLst>
+          </p:cNvPr>
+          <p:cNvSpPr>
+            <a:spLocks noGrp="1"/>
+          </p:cNvSpPr>
+          <p:nvPr>
+            <p:ph type="title"/>
+          </p:nvPr>
+        </p:nvSpPr>
+        <p:spPr/>
+        <p:txBody>
+          <a:bodyPr/>
+          <a:lstStyle/>
+          <a:p>
+            <a:endParaRPr lang="en-SG"/>
+          </a:p>
+        </p:txBody>
+      </p:sp>
+      <p:sp>
+        <p:nvSpPr>
+          <p:cNvPr id="3" name="Content Placeholder 2">
+            <a:extLst>
+              <a:ext uri="{FF2B5EF4-FFF2-40B4-BE49-F238E27FC236}">
+                <a16:creationId xmlns:a16="http://schemas.microsoft.com/office/drawing/2014/main" id="{9794BA21-C903-614D-7CE5-3BE44F832A05}"/>
+              </a:ext>
+            </a:extLst>
+          </p:cNvPr>
+          <p:cNvSpPr>
+            <a:spLocks noGrp="1"/>
+          </p:cNvSpPr>
+          <p:nvPr>
+            <p:ph idx="1"/>
+          </p:nvPr>
+        </p:nvSpPr>
+        <p:spPr/>
+        <p:txBody>
+          <a:bodyPr/>
+          <a:lstStyle/>
+          <a:p>
+            <a:endParaRPr lang="en-SG"/>
+          </a:p>
+        </p:txBody>
+      </p:sp>
+      <p:pic>
+        <p:nvPicPr>
+          <p:cNvPr id="5" name="Picture 4">
+            <a:extLst>
+              <a:ext uri="{FF2B5EF4-FFF2-40B4-BE49-F238E27FC236}">
+                <a16:creationId xmlns:a16="http://schemas.microsoft.com/office/drawing/2014/main" id="{8234D415-A566-7901-4EDB-F4DDC26FD80E}"/>
+              </a:ext>
+            </a:extLst>
+          </p:cNvPr>
+          <p:cNvPicPr>
+            <a:picLocks noChangeAspect="1"/>
+          </p:cNvPicPr>
+          <p:nvPr/>
+        </p:nvPicPr>
+        <p:blipFill>
+          <a:blip r:embed="rId3"/>
+          <a:stretch>
+            <a:fillRect/>
+          </a:stretch>
+        </p:blipFill>
+        <p:spPr>
+          <a:xfrm>
+            <a:off x="0" y="620976"/>
+            <a:ext cx="9144000" cy="3901548"/>
+          </a:xfrm>
+          <a:prstGeom prst="rect">
+            <a:avLst/>
+          </a:prstGeom>
+        </p:spPr>
+      </p:pic>
+    </p:spTree>
+    <p:extLst>
+      <p:ext uri="{BB962C8B-B14F-4D97-AF65-F5344CB8AC3E}">
+        <p14:creationId xmlns:p14="http://schemas.microsoft.com/office/powerpoint/2010/main" val="1377869958"/>
+      </p:ext>
+    </p:extLst>
+  </p:cSld>
+  <p:clrMapOvr>
+    <a:masterClrMapping/>
+  </p:clrMapOvr>
+</p:sld>
+</file>
+
+<file path=ppt/slides/slide17.xml><?xml version="1.0" encoding="utf-8"?>
 <p:sld xmlns:a="http://schemas.openxmlformats.org/drawingml/2006/main" xmlns:r="http://schemas.openxmlformats.org/officeDocument/2006/relationships" xmlns:p="http://schemas.openxmlformats.org/presentationml/2006/main">
   <p:cSld>
     <p:spTree>
@@ -9825,7 +10666,7 @@
 </p:sld>
 </file>
 
-<file path=ppt/slides/slide14.xml><?xml version="1.0" encoding="utf-8"?>
+<file path=ppt/slides/slide18.xml><?xml version="1.0" encoding="utf-8"?>
 <p:sld xmlns:a="http://schemas.openxmlformats.org/drawingml/2006/main" xmlns:r="http://schemas.openxmlformats.org/officeDocument/2006/relationships" xmlns:p="http://schemas.openxmlformats.org/presentationml/2006/main">
   <p:cSld>
     <p:spTree>
@@ -9911,7 +10752,7 @@
 </p:sld>
 </file>
 
-<file path=ppt/slides/slide15.xml><?xml version="1.0" encoding="utf-8"?>
+<file path=ppt/slides/slide19.xml><?xml version="1.0" encoding="utf-8"?>
 <p:sld xmlns:a="http://schemas.openxmlformats.org/drawingml/2006/main" xmlns:r="http://schemas.openxmlformats.org/officeDocument/2006/relationships" xmlns:p="http://schemas.openxmlformats.org/presentationml/2006/main" show="0">
   <p:cSld>
     <p:spTree>
@@ -10238,343 +11079,6 @@
       </p:par>
     </p:tnLst>
   </p:timing>
-</p:sld>
-</file>
-
-<file path=ppt/slides/slide16.xml><?xml version="1.0" encoding="utf-8"?>
-<p:sld xmlns:a="http://schemas.openxmlformats.org/drawingml/2006/main" xmlns:r="http://schemas.openxmlformats.org/officeDocument/2006/relationships" xmlns:p="http://schemas.openxmlformats.org/presentationml/2006/main" show="0">
-  <p:cSld>
-    <p:spTree>
-      <p:nvGrpSpPr>
-        <p:cNvPr id="1" name=""/>
-        <p:cNvGrpSpPr/>
-        <p:nvPr/>
-      </p:nvGrpSpPr>
-      <p:grpSpPr>
-        <a:xfrm>
-          <a:off x="0" y="0"/>
-          <a:ext cx="0" cy="0"/>
-          <a:chOff x="0" y="0"/>
-          <a:chExt cx="0" cy="0"/>
-        </a:xfrm>
-      </p:grpSpPr>
-      <p:sp>
-        <p:nvSpPr>
-          <p:cNvPr id="2" name="Title 1">
-            <a:extLst>
-              <a:ext uri="{FF2B5EF4-FFF2-40B4-BE49-F238E27FC236}">
-                <a16:creationId xmlns:a16="http://schemas.microsoft.com/office/drawing/2014/main" id="{28EEFE97-6325-ECC9-0B42-A3DE00CF471A}"/>
-              </a:ext>
-            </a:extLst>
-          </p:cNvPr>
-          <p:cNvSpPr>
-            <a:spLocks noGrp="1"/>
-          </p:cNvSpPr>
-          <p:nvPr>
-            <p:ph type="title"/>
-          </p:nvPr>
-        </p:nvSpPr>
-        <p:spPr/>
-        <p:txBody>
-          <a:bodyPr/>
-          <a:lstStyle/>
-          <a:p>
-            <a:endParaRPr lang="en-SG"/>
-          </a:p>
-        </p:txBody>
-      </p:sp>
-      <p:sp>
-        <p:nvSpPr>
-          <p:cNvPr id="3" name="Content Placeholder 2">
-            <a:extLst>
-              <a:ext uri="{FF2B5EF4-FFF2-40B4-BE49-F238E27FC236}">
-                <a16:creationId xmlns:a16="http://schemas.microsoft.com/office/drawing/2014/main" id="{272D977F-6574-8D87-CA85-98C98FB076A3}"/>
-              </a:ext>
-            </a:extLst>
-          </p:cNvPr>
-          <p:cNvSpPr>
-            <a:spLocks noGrp="1"/>
-          </p:cNvSpPr>
-          <p:nvPr>
-            <p:ph idx="1"/>
-          </p:nvPr>
-        </p:nvSpPr>
-        <p:spPr/>
-        <p:txBody>
-          <a:bodyPr/>
-          <a:lstStyle/>
-          <a:p>
-            <a:r>
-              <a:rPr lang="en-US" dirty="0"/>
-              <a:t>Applied research publication venues:</a:t>
-            </a:r>
-          </a:p>
-          <a:p>
-            <a:pPr marL="914400" lvl="1" indent="-457200">
-              <a:buFont typeface="+mj-lt"/>
-              <a:buAutoNum type="arabicPeriod"/>
-            </a:pPr>
-            <a:r>
-              <a:rPr lang="en-US" b="1" dirty="0"/>
-              <a:t>JAN - NAACL Industry Track: </a:t>
-            </a:r>
-            <a:br>
-              <a:rPr lang="en-US" b="1" dirty="0"/>
-            </a:br>
-            <a:r>
-              <a:rPr lang="en-US" b="1" dirty="0">
-                <a:hlinkClick r:id="rId3"/>
-              </a:rPr>
-              <a:t>https://2022.naacl.org/calls/industry/</a:t>
-            </a:r>
-            <a:endParaRPr lang="en-US" b="1" dirty="0"/>
-          </a:p>
-          <a:p>
-            <a:pPr marL="914400" lvl="1" indent="-457200">
-              <a:buFont typeface="+mj-lt"/>
-              <a:buAutoNum type="arabicPeriod"/>
-            </a:pPr>
-            <a:r>
-              <a:rPr lang="en-US" b="1" dirty="0"/>
-              <a:t>FEB - KDD Applied Data Science Track: </a:t>
-            </a:r>
-            <a:r>
-              <a:rPr lang="en-US" b="1" dirty="0">
-                <a:hlinkClick r:id="rId4"/>
-              </a:rPr>
-              <a:t>https://kdd.org/kdd2022/cfpAppliedDS.html</a:t>
-            </a:r>
-            <a:endParaRPr lang="en-US" b="1" dirty="0"/>
-          </a:p>
-          <a:p>
-            <a:pPr marL="914400" lvl="1" indent="-457200">
-              <a:buFont typeface="+mj-lt"/>
-              <a:buAutoNum type="arabicPeriod"/>
-            </a:pPr>
-            <a:r>
-              <a:rPr lang="en-US" dirty="0"/>
-              <a:t>JUN/JUL - EMNLP Industry Track: </a:t>
-            </a:r>
-            <a:r>
-              <a:rPr lang="en-US" dirty="0">
-                <a:hlinkClick r:id="rId5"/>
-              </a:rPr>
-              <a:t>https://2022.emnlp.org/calls/industry_track/</a:t>
-            </a:r>
-            <a:endParaRPr lang="en-US" dirty="0"/>
-          </a:p>
-          <a:p>
-            <a:pPr marL="914400" lvl="1" indent="-457200">
-              <a:buFont typeface="+mj-lt"/>
-              <a:buAutoNum type="arabicPeriod"/>
-            </a:pPr>
-            <a:r>
-              <a:rPr lang="en-US" dirty="0"/>
-              <a:t>AUG - Innovative Applications of Artificial Intelligence (IAAI): </a:t>
-            </a:r>
-            <a:r>
-              <a:rPr lang="en-US" dirty="0">
-                <a:hlinkClick r:id="rId6"/>
-              </a:rPr>
-              <a:t>https://aaai.org/Conferences/AAAI-23/iaai-23-call/</a:t>
-            </a:r>
-            <a:endParaRPr lang="en-US" dirty="0"/>
-          </a:p>
-          <a:p>
-            <a:endParaRPr lang="en-SG" dirty="0"/>
-          </a:p>
-        </p:txBody>
-      </p:sp>
-    </p:spTree>
-    <p:extLst>
-      <p:ext uri="{BB962C8B-B14F-4D97-AF65-F5344CB8AC3E}">
-        <p14:creationId xmlns:p14="http://schemas.microsoft.com/office/powerpoint/2010/main" val="2354802879"/>
-      </p:ext>
-    </p:extLst>
-  </p:cSld>
-  <p:clrMapOvr>
-    <a:masterClrMapping/>
-  </p:clrMapOvr>
-</p:sld>
-</file>
-
-<file path=ppt/slides/slide17.xml><?xml version="1.0" encoding="utf-8"?>
-<p:sld xmlns:a="http://schemas.openxmlformats.org/drawingml/2006/main" xmlns:r="http://schemas.openxmlformats.org/officeDocument/2006/relationships" xmlns:p="http://schemas.openxmlformats.org/presentationml/2006/main" show="0">
-  <p:cSld>
-    <p:spTree>
-      <p:nvGrpSpPr>
-        <p:cNvPr id="1" name=""/>
-        <p:cNvGrpSpPr/>
-        <p:nvPr/>
-      </p:nvGrpSpPr>
-      <p:grpSpPr>
-        <a:xfrm>
-          <a:off x="0" y="0"/>
-          <a:ext cx="0" cy="0"/>
-          <a:chOff x="0" y="0"/>
-          <a:chExt cx="0" cy="0"/>
-        </a:xfrm>
-      </p:grpSpPr>
-      <p:sp>
-        <p:nvSpPr>
-          <p:cNvPr id="2" name="Title 1"/>
-          <p:cNvSpPr>
-            <a:spLocks noGrp="1"/>
-          </p:cNvSpPr>
-          <p:nvPr>
-            <p:ph type="title"/>
-          </p:nvPr>
-        </p:nvSpPr>
-        <p:spPr/>
-        <p:txBody>
-          <a:bodyPr>
-            <a:normAutofit/>
-          </a:bodyPr>
-          <a:lstStyle/>
-          <a:p>
-            <a:endParaRPr lang="en-GB" sz="2400" b="1" dirty="0"/>
-          </a:p>
-        </p:txBody>
-      </p:sp>
-      <p:sp>
-        <p:nvSpPr>
-          <p:cNvPr id="4" name="Title 1"/>
-          <p:cNvSpPr txBox="1">
-            <a:spLocks/>
-          </p:cNvSpPr>
-          <p:nvPr/>
-        </p:nvSpPr>
-        <p:spPr>
-          <a:xfrm>
-            <a:off x="51655" y="273845"/>
-            <a:ext cx="576995" cy="994172"/>
-          </a:xfrm>
-          <a:prstGeom prst="rect">
-            <a:avLst/>
-          </a:prstGeom>
-        </p:spPr>
-        <p:txBody>
-          <a:bodyPr vert="horz" lIns="68580" tIns="34290" rIns="68580" bIns="34290" rtlCol="0" anchor="ctr">
-            <a:normAutofit/>
-          </a:bodyPr>
-          <a:lstStyle>
-            <a:lvl1pPr algn="l" defTabSz="914400" rtl="0" eaLnBrk="1" latinLnBrk="0" hangingPunct="1">
-              <a:lnSpc>
-                <a:spcPct val="90000"/>
-              </a:lnSpc>
-              <a:spcBef>
-                <a:spcPct val="0"/>
-              </a:spcBef>
-              <a:buNone/>
-              <a:defRPr sz="4400" kern="1200">
-                <a:solidFill>
-                  <a:srgbClr val="004282"/>
-                </a:solidFill>
-                <a:latin typeface="Arial" charset="0"/>
-                <a:ea typeface="Arial" charset="0"/>
-                <a:cs typeface="Arial" charset="0"/>
-              </a:defRPr>
-            </a:lvl1pPr>
-          </a:lstStyle>
-          <a:p>
-            <a:endParaRPr lang="en-GB" sz="2100" b="1" dirty="0">
-              <a:solidFill>
-                <a:schemeClr val="bg1"/>
-              </a:solidFill>
-            </a:endParaRPr>
-          </a:p>
-        </p:txBody>
-      </p:sp>
-      <p:sp>
-        <p:nvSpPr>
-          <p:cNvPr id="5" name="TextBox 4">
-            <a:extLst>
-              <a:ext uri="{FF2B5EF4-FFF2-40B4-BE49-F238E27FC236}">
-                <a16:creationId xmlns:a16="http://schemas.microsoft.com/office/drawing/2014/main" id="{F8B802DB-E480-4319-8E9E-CCC64A41EA2B}"/>
-              </a:ext>
-            </a:extLst>
-          </p:cNvPr>
-          <p:cNvSpPr txBox="1"/>
-          <p:nvPr/>
-        </p:nvSpPr>
-        <p:spPr>
-          <a:xfrm>
-            <a:off x="51655" y="142264"/>
-            <a:ext cx="6040876" cy="369332"/>
-          </a:xfrm>
-          <a:prstGeom prst="rect">
-            <a:avLst/>
-          </a:prstGeom>
-          <a:noFill/>
-        </p:spPr>
-        <p:txBody>
-          <a:bodyPr wrap="square">
-            <a:spAutoFit/>
-          </a:bodyPr>
-          <a:lstStyle/>
-          <a:p>
-            <a:r>
-              <a:rPr lang="en-US" b="1" dirty="0">
-                <a:solidFill>
-                  <a:schemeClr val="tx1">
-                    <a:lumMod val="85000"/>
-                    <a:lumOff val="15000"/>
-                  </a:schemeClr>
-                </a:solidFill>
-              </a:rPr>
-              <a:t>CONCLUSION</a:t>
-            </a:r>
-            <a:endParaRPr lang="en-SG" dirty="0">
-              <a:solidFill>
-                <a:schemeClr val="tx1">
-                  <a:lumMod val="85000"/>
-                  <a:lumOff val="15000"/>
-                </a:schemeClr>
-              </a:solidFill>
-            </a:endParaRPr>
-          </a:p>
-        </p:txBody>
-      </p:sp>
-      <p:sp>
-        <p:nvSpPr>
-          <p:cNvPr id="6" name="Content Placeholder 2">
-            <a:extLst>
-              <a:ext uri="{FF2B5EF4-FFF2-40B4-BE49-F238E27FC236}">
-                <a16:creationId xmlns:a16="http://schemas.microsoft.com/office/drawing/2014/main" id="{95CB7D74-EACF-4F26-B0F7-CB1D20988E4C}"/>
-              </a:ext>
-            </a:extLst>
-          </p:cNvPr>
-          <p:cNvSpPr>
-            <a:spLocks noGrp="1"/>
-          </p:cNvSpPr>
-          <p:nvPr>
-            <p:ph idx="1"/>
-          </p:nvPr>
-        </p:nvSpPr>
-        <p:spPr>
-          <a:xfrm>
-            <a:off x="628651" y="1369219"/>
-            <a:ext cx="7886700" cy="3263504"/>
-          </a:xfrm>
-        </p:spPr>
-        <p:txBody>
-          <a:bodyPr/>
-          <a:lstStyle/>
-          <a:p>
-            <a:endParaRPr lang="en-SG" dirty="0"/>
-          </a:p>
-        </p:txBody>
-      </p:sp>
-    </p:spTree>
-    <p:extLst>
-      <p:ext uri="{BB962C8B-B14F-4D97-AF65-F5344CB8AC3E}">
-        <p14:creationId xmlns:p14="http://schemas.microsoft.com/office/powerpoint/2010/main" val="2542729036"/>
-      </p:ext>
-    </p:extLst>
-  </p:cSld>
-  <p:clrMapOvr>
-    <a:masterClrMapping/>
-  </p:clrMapOvr>
 </p:sld>
 </file>
 
@@ -11164,6 +11668,343 @@
 </p:sld>
 </file>
 
+<file path=ppt/slides/slide20.xml><?xml version="1.0" encoding="utf-8"?>
+<p:sld xmlns:a="http://schemas.openxmlformats.org/drawingml/2006/main" xmlns:r="http://schemas.openxmlformats.org/officeDocument/2006/relationships" xmlns:p="http://schemas.openxmlformats.org/presentationml/2006/main" show="0">
+  <p:cSld>
+    <p:spTree>
+      <p:nvGrpSpPr>
+        <p:cNvPr id="1" name=""/>
+        <p:cNvGrpSpPr/>
+        <p:nvPr/>
+      </p:nvGrpSpPr>
+      <p:grpSpPr>
+        <a:xfrm>
+          <a:off x="0" y="0"/>
+          <a:ext cx="0" cy="0"/>
+          <a:chOff x="0" y="0"/>
+          <a:chExt cx="0" cy="0"/>
+        </a:xfrm>
+      </p:grpSpPr>
+      <p:sp>
+        <p:nvSpPr>
+          <p:cNvPr id="2" name="Title 1">
+            <a:extLst>
+              <a:ext uri="{FF2B5EF4-FFF2-40B4-BE49-F238E27FC236}">
+                <a16:creationId xmlns:a16="http://schemas.microsoft.com/office/drawing/2014/main" id="{28EEFE97-6325-ECC9-0B42-A3DE00CF471A}"/>
+              </a:ext>
+            </a:extLst>
+          </p:cNvPr>
+          <p:cNvSpPr>
+            <a:spLocks noGrp="1"/>
+          </p:cNvSpPr>
+          <p:nvPr>
+            <p:ph type="title"/>
+          </p:nvPr>
+        </p:nvSpPr>
+        <p:spPr/>
+        <p:txBody>
+          <a:bodyPr/>
+          <a:lstStyle/>
+          <a:p>
+            <a:endParaRPr lang="en-SG"/>
+          </a:p>
+        </p:txBody>
+      </p:sp>
+      <p:sp>
+        <p:nvSpPr>
+          <p:cNvPr id="3" name="Content Placeholder 2">
+            <a:extLst>
+              <a:ext uri="{FF2B5EF4-FFF2-40B4-BE49-F238E27FC236}">
+                <a16:creationId xmlns:a16="http://schemas.microsoft.com/office/drawing/2014/main" id="{272D977F-6574-8D87-CA85-98C98FB076A3}"/>
+              </a:ext>
+            </a:extLst>
+          </p:cNvPr>
+          <p:cNvSpPr>
+            <a:spLocks noGrp="1"/>
+          </p:cNvSpPr>
+          <p:nvPr>
+            <p:ph idx="1"/>
+          </p:nvPr>
+        </p:nvSpPr>
+        <p:spPr/>
+        <p:txBody>
+          <a:bodyPr/>
+          <a:lstStyle/>
+          <a:p>
+            <a:r>
+              <a:rPr lang="en-US" dirty="0"/>
+              <a:t>Applied research publication venues:</a:t>
+            </a:r>
+          </a:p>
+          <a:p>
+            <a:pPr marL="914400" lvl="1" indent="-457200">
+              <a:buFont typeface="+mj-lt"/>
+              <a:buAutoNum type="arabicPeriod"/>
+            </a:pPr>
+            <a:r>
+              <a:rPr lang="en-US" b="1" dirty="0"/>
+              <a:t>JAN - NAACL Industry Track: </a:t>
+            </a:r>
+            <a:br>
+              <a:rPr lang="en-US" b="1" dirty="0"/>
+            </a:br>
+            <a:r>
+              <a:rPr lang="en-US" b="1" dirty="0">
+                <a:hlinkClick r:id="rId3"/>
+              </a:rPr>
+              <a:t>https://2022.naacl.org/calls/industry/</a:t>
+            </a:r>
+            <a:endParaRPr lang="en-US" b="1" dirty="0"/>
+          </a:p>
+          <a:p>
+            <a:pPr marL="914400" lvl="1" indent="-457200">
+              <a:buFont typeface="+mj-lt"/>
+              <a:buAutoNum type="arabicPeriod"/>
+            </a:pPr>
+            <a:r>
+              <a:rPr lang="en-US" b="1" dirty="0"/>
+              <a:t>FEB - KDD Applied Data Science Track: </a:t>
+            </a:r>
+            <a:r>
+              <a:rPr lang="en-US" b="1" dirty="0">
+                <a:hlinkClick r:id="rId4"/>
+              </a:rPr>
+              <a:t>https://kdd.org/kdd2022/cfpAppliedDS.html</a:t>
+            </a:r>
+            <a:endParaRPr lang="en-US" b="1" dirty="0"/>
+          </a:p>
+          <a:p>
+            <a:pPr marL="914400" lvl="1" indent="-457200">
+              <a:buFont typeface="+mj-lt"/>
+              <a:buAutoNum type="arabicPeriod"/>
+            </a:pPr>
+            <a:r>
+              <a:rPr lang="en-US" dirty="0"/>
+              <a:t>JUN/JUL - EMNLP Industry Track: </a:t>
+            </a:r>
+            <a:r>
+              <a:rPr lang="en-US" dirty="0">
+                <a:hlinkClick r:id="rId5"/>
+              </a:rPr>
+              <a:t>https://2022.emnlp.org/calls/industry_track/</a:t>
+            </a:r>
+            <a:endParaRPr lang="en-US" dirty="0"/>
+          </a:p>
+          <a:p>
+            <a:pPr marL="914400" lvl="1" indent="-457200">
+              <a:buFont typeface="+mj-lt"/>
+              <a:buAutoNum type="arabicPeriod"/>
+            </a:pPr>
+            <a:r>
+              <a:rPr lang="en-US" dirty="0"/>
+              <a:t>AUG - Innovative Applications of Artificial Intelligence (IAAI): </a:t>
+            </a:r>
+            <a:r>
+              <a:rPr lang="en-US" dirty="0">
+                <a:hlinkClick r:id="rId6"/>
+              </a:rPr>
+              <a:t>https://aaai.org/Conferences/AAAI-23/iaai-23-call/</a:t>
+            </a:r>
+            <a:endParaRPr lang="en-US" dirty="0"/>
+          </a:p>
+          <a:p>
+            <a:endParaRPr lang="en-SG" dirty="0"/>
+          </a:p>
+        </p:txBody>
+      </p:sp>
+    </p:spTree>
+    <p:extLst>
+      <p:ext uri="{BB962C8B-B14F-4D97-AF65-F5344CB8AC3E}">
+        <p14:creationId xmlns:p14="http://schemas.microsoft.com/office/powerpoint/2010/main" val="2354802879"/>
+      </p:ext>
+    </p:extLst>
+  </p:cSld>
+  <p:clrMapOvr>
+    <a:masterClrMapping/>
+  </p:clrMapOvr>
+</p:sld>
+</file>
+
+<file path=ppt/slides/slide21.xml><?xml version="1.0" encoding="utf-8"?>
+<p:sld xmlns:a="http://schemas.openxmlformats.org/drawingml/2006/main" xmlns:r="http://schemas.openxmlformats.org/officeDocument/2006/relationships" xmlns:p="http://schemas.openxmlformats.org/presentationml/2006/main" show="0">
+  <p:cSld>
+    <p:spTree>
+      <p:nvGrpSpPr>
+        <p:cNvPr id="1" name=""/>
+        <p:cNvGrpSpPr/>
+        <p:nvPr/>
+      </p:nvGrpSpPr>
+      <p:grpSpPr>
+        <a:xfrm>
+          <a:off x="0" y="0"/>
+          <a:ext cx="0" cy="0"/>
+          <a:chOff x="0" y="0"/>
+          <a:chExt cx="0" cy="0"/>
+        </a:xfrm>
+      </p:grpSpPr>
+      <p:sp>
+        <p:nvSpPr>
+          <p:cNvPr id="2" name="Title 1"/>
+          <p:cNvSpPr>
+            <a:spLocks noGrp="1"/>
+          </p:cNvSpPr>
+          <p:nvPr>
+            <p:ph type="title"/>
+          </p:nvPr>
+        </p:nvSpPr>
+        <p:spPr/>
+        <p:txBody>
+          <a:bodyPr>
+            <a:normAutofit/>
+          </a:bodyPr>
+          <a:lstStyle/>
+          <a:p>
+            <a:endParaRPr lang="en-GB" sz="2400" b="1" dirty="0"/>
+          </a:p>
+        </p:txBody>
+      </p:sp>
+      <p:sp>
+        <p:nvSpPr>
+          <p:cNvPr id="4" name="Title 1"/>
+          <p:cNvSpPr txBox="1">
+            <a:spLocks/>
+          </p:cNvSpPr>
+          <p:nvPr/>
+        </p:nvSpPr>
+        <p:spPr>
+          <a:xfrm>
+            <a:off x="51655" y="273845"/>
+            <a:ext cx="576995" cy="994172"/>
+          </a:xfrm>
+          <a:prstGeom prst="rect">
+            <a:avLst/>
+          </a:prstGeom>
+        </p:spPr>
+        <p:txBody>
+          <a:bodyPr vert="horz" lIns="68580" tIns="34290" rIns="68580" bIns="34290" rtlCol="0" anchor="ctr">
+            <a:normAutofit/>
+          </a:bodyPr>
+          <a:lstStyle>
+            <a:lvl1pPr algn="l" defTabSz="914400" rtl="0" eaLnBrk="1" latinLnBrk="0" hangingPunct="1">
+              <a:lnSpc>
+                <a:spcPct val="90000"/>
+              </a:lnSpc>
+              <a:spcBef>
+                <a:spcPct val="0"/>
+              </a:spcBef>
+              <a:buNone/>
+              <a:defRPr sz="4400" kern="1200">
+                <a:solidFill>
+                  <a:srgbClr val="004282"/>
+                </a:solidFill>
+                <a:latin typeface="Arial" charset="0"/>
+                <a:ea typeface="Arial" charset="0"/>
+                <a:cs typeface="Arial" charset="0"/>
+              </a:defRPr>
+            </a:lvl1pPr>
+          </a:lstStyle>
+          <a:p>
+            <a:endParaRPr lang="en-GB" sz="2100" b="1" dirty="0">
+              <a:solidFill>
+                <a:schemeClr val="bg1"/>
+              </a:solidFill>
+            </a:endParaRPr>
+          </a:p>
+        </p:txBody>
+      </p:sp>
+      <p:sp>
+        <p:nvSpPr>
+          <p:cNvPr id="5" name="TextBox 4">
+            <a:extLst>
+              <a:ext uri="{FF2B5EF4-FFF2-40B4-BE49-F238E27FC236}">
+                <a16:creationId xmlns:a16="http://schemas.microsoft.com/office/drawing/2014/main" id="{F8B802DB-E480-4319-8E9E-CCC64A41EA2B}"/>
+              </a:ext>
+            </a:extLst>
+          </p:cNvPr>
+          <p:cNvSpPr txBox="1"/>
+          <p:nvPr/>
+        </p:nvSpPr>
+        <p:spPr>
+          <a:xfrm>
+            <a:off x="51655" y="142264"/>
+            <a:ext cx="6040876" cy="369332"/>
+          </a:xfrm>
+          <a:prstGeom prst="rect">
+            <a:avLst/>
+          </a:prstGeom>
+          <a:noFill/>
+        </p:spPr>
+        <p:txBody>
+          <a:bodyPr wrap="square">
+            <a:spAutoFit/>
+          </a:bodyPr>
+          <a:lstStyle/>
+          <a:p>
+            <a:r>
+              <a:rPr lang="en-US" b="1" dirty="0">
+                <a:solidFill>
+                  <a:schemeClr val="tx1">
+                    <a:lumMod val="85000"/>
+                    <a:lumOff val="15000"/>
+                  </a:schemeClr>
+                </a:solidFill>
+              </a:rPr>
+              <a:t>CONCLUSION</a:t>
+            </a:r>
+            <a:endParaRPr lang="en-SG" dirty="0">
+              <a:solidFill>
+                <a:schemeClr val="tx1">
+                  <a:lumMod val="85000"/>
+                  <a:lumOff val="15000"/>
+                </a:schemeClr>
+              </a:solidFill>
+            </a:endParaRPr>
+          </a:p>
+        </p:txBody>
+      </p:sp>
+      <p:sp>
+        <p:nvSpPr>
+          <p:cNvPr id="6" name="Content Placeholder 2">
+            <a:extLst>
+              <a:ext uri="{FF2B5EF4-FFF2-40B4-BE49-F238E27FC236}">
+                <a16:creationId xmlns:a16="http://schemas.microsoft.com/office/drawing/2014/main" id="{95CB7D74-EACF-4F26-B0F7-CB1D20988E4C}"/>
+              </a:ext>
+            </a:extLst>
+          </p:cNvPr>
+          <p:cNvSpPr>
+            <a:spLocks noGrp="1"/>
+          </p:cNvSpPr>
+          <p:nvPr>
+            <p:ph idx="1"/>
+          </p:nvPr>
+        </p:nvSpPr>
+        <p:spPr>
+          <a:xfrm>
+            <a:off x="628651" y="1369219"/>
+            <a:ext cx="7886700" cy="3263504"/>
+          </a:xfrm>
+        </p:spPr>
+        <p:txBody>
+          <a:bodyPr/>
+          <a:lstStyle/>
+          <a:p>
+            <a:endParaRPr lang="en-SG" dirty="0"/>
+          </a:p>
+        </p:txBody>
+      </p:sp>
+    </p:spTree>
+    <p:extLst>
+      <p:ext uri="{BB962C8B-B14F-4D97-AF65-F5344CB8AC3E}">
+        <p14:creationId xmlns:p14="http://schemas.microsoft.com/office/powerpoint/2010/main" val="2542729036"/>
+      </p:ext>
+    </p:extLst>
+  </p:cSld>
+  <p:clrMapOvr>
+    <a:masterClrMapping/>
+  </p:clrMapOvr>
+</p:sld>
+</file>
+
 <file path=ppt/slides/slide3.xml><?xml version="1.0" encoding="utf-8"?>
 <p:sld xmlns:a="http://schemas.openxmlformats.org/drawingml/2006/main" xmlns:r="http://schemas.openxmlformats.org/officeDocument/2006/relationships" xmlns:p="http://schemas.openxmlformats.org/presentationml/2006/main">
   <p:cSld>
@@ -12451,6 +13292,36 @@
           </a:fontRef>
         </p:style>
       </p:cxnSp>
+      <p:pic>
+        <p:nvPicPr>
+          <p:cNvPr id="9" name="Picture 8">
+            <a:extLst>
+              <a:ext uri="{FF2B5EF4-FFF2-40B4-BE49-F238E27FC236}">
+                <a16:creationId xmlns:a16="http://schemas.microsoft.com/office/drawing/2014/main" id="{06913208-4C4E-A32D-3B9B-37706ED16F3D}"/>
+              </a:ext>
+            </a:extLst>
+          </p:cNvPr>
+          <p:cNvPicPr>
+            <a:picLocks noChangeAspect="1"/>
+          </p:cNvPicPr>
+          <p:nvPr/>
+        </p:nvPicPr>
+        <p:blipFill>
+          <a:blip r:embed="rId11"/>
+          <a:stretch>
+            <a:fillRect/>
+          </a:stretch>
+        </p:blipFill>
+        <p:spPr>
+          <a:xfrm>
+            <a:off x="51655" y="5411561"/>
+            <a:ext cx="9144000" cy="2648000"/>
+          </a:xfrm>
+          <a:prstGeom prst="rect">
+            <a:avLst/>
+          </a:prstGeom>
+        </p:spPr>
+      </p:pic>
     </p:spTree>
     <p:extLst>
       <p:ext uri="{BB962C8B-B14F-4D97-AF65-F5344CB8AC3E}">
